--- a/작업.pptx
+++ b/작업.pptx
@@ -109,6 +109,11 @@
       </a:defRPr>
     </a:lvl9pPr>
   </p:defaultTextStyle>
+  <p:extLst>
+    <p:ext uri="{EFAFB233-063F-42B5-8137-9DF3F51BA10A}">
+      <p15:sldGuideLst xmlns:p15="http://schemas.microsoft.com/office/powerpoint/2012/main"/>
+    </p:ext>
+  </p:extLst>
 </p:presentation>
 </file>
 
@@ -259,7 +264,7 @@
           <a:p>
             <a:fld id="{6BB4F5D4-0802-4168-9F46-9E8F07FC3E57}" type="datetimeFigureOut">
               <a:rPr lang="ko-KR" altLang="en-US" smtClean="0"/>
-              <a:t>2025-05-10</a:t>
+              <a:t>2025-05-11</a:t>
             </a:fld>
             <a:endParaRPr lang="ko-KR" altLang="en-US"/>
           </a:p>
@@ -457,7 +462,7 @@
           <a:p>
             <a:fld id="{6BB4F5D4-0802-4168-9F46-9E8F07FC3E57}" type="datetimeFigureOut">
               <a:rPr lang="ko-KR" altLang="en-US" smtClean="0"/>
-              <a:t>2025-05-10</a:t>
+              <a:t>2025-05-11</a:t>
             </a:fld>
             <a:endParaRPr lang="ko-KR" altLang="en-US"/>
           </a:p>
@@ -665,7 +670,7 @@
           <a:p>
             <a:fld id="{6BB4F5D4-0802-4168-9F46-9E8F07FC3E57}" type="datetimeFigureOut">
               <a:rPr lang="ko-KR" altLang="en-US" smtClean="0"/>
-              <a:t>2025-05-10</a:t>
+              <a:t>2025-05-11</a:t>
             </a:fld>
             <a:endParaRPr lang="ko-KR" altLang="en-US"/>
           </a:p>
@@ -863,7 +868,7 @@
           <a:p>
             <a:fld id="{6BB4F5D4-0802-4168-9F46-9E8F07FC3E57}" type="datetimeFigureOut">
               <a:rPr lang="ko-KR" altLang="en-US" smtClean="0"/>
-              <a:t>2025-05-10</a:t>
+              <a:t>2025-05-11</a:t>
             </a:fld>
             <a:endParaRPr lang="ko-KR" altLang="en-US"/>
           </a:p>
@@ -1138,7 +1143,7 @@
           <a:p>
             <a:fld id="{6BB4F5D4-0802-4168-9F46-9E8F07FC3E57}" type="datetimeFigureOut">
               <a:rPr lang="ko-KR" altLang="en-US" smtClean="0"/>
-              <a:t>2025-05-10</a:t>
+              <a:t>2025-05-11</a:t>
             </a:fld>
             <a:endParaRPr lang="ko-KR" altLang="en-US"/>
           </a:p>
@@ -1403,7 +1408,7 @@
           <a:p>
             <a:fld id="{6BB4F5D4-0802-4168-9F46-9E8F07FC3E57}" type="datetimeFigureOut">
               <a:rPr lang="ko-KR" altLang="en-US" smtClean="0"/>
-              <a:t>2025-05-10</a:t>
+              <a:t>2025-05-11</a:t>
             </a:fld>
             <a:endParaRPr lang="ko-KR" altLang="en-US"/>
           </a:p>
@@ -1815,7 +1820,7 @@
           <a:p>
             <a:fld id="{6BB4F5D4-0802-4168-9F46-9E8F07FC3E57}" type="datetimeFigureOut">
               <a:rPr lang="ko-KR" altLang="en-US" smtClean="0"/>
-              <a:t>2025-05-10</a:t>
+              <a:t>2025-05-11</a:t>
             </a:fld>
             <a:endParaRPr lang="ko-KR" altLang="en-US"/>
           </a:p>
@@ -1956,7 +1961,7 @@
           <a:p>
             <a:fld id="{6BB4F5D4-0802-4168-9F46-9E8F07FC3E57}" type="datetimeFigureOut">
               <a:rPr lang="ko-KR" altLang="en-US" smtClean="0"/>
-              <a:t>2025-05-10</a:t>
+              <a:t>2025-05-11</a:t>
             </a:fld>
             <a:endParaRPr lang="ko-KR" altLang="en-US"/>
           </a:p>
@@ -2069,7 +2074,7 @@
           <a:p>
             <a:fld id="{6BB4F5D4-0802-4168-9F46-9E8F07FC3E57}" type="datetimeFigureOut">
               <a:rPr lang="ko-KR" altLang="en-US" smtClean="0"/>
-              <a:t>2025-05-10</a:t>
+              <a:t>2025-05-11</a:t>
             </a:fld>
             <a:endParaRPr lang="ko-KR" altLang="en-US"/>
           </a:p>
@@ -2380,7 +2385,7 @@
           <a:p>
             <a:fld id="{6BB4F5D4-0802-4168-9F46-9E8F07FC3E57}" type="datetimeFigureOut">
               <a:rPr lang="ko-KR" altLang="en-US" smtClean="0"/>
-              <a:t>2025-05-10</a:t>
+              <a:t>2025-05-11</a:t>
             </a:fld>
             <a:endParaRPr lang="ko-KR" altLang="en-US"/>
           </a:p>
@@ -2668,7 +2673,7 @@
           <a:p>
             <a:fld id="{6BB4F5D4-0802-4168-9F46-9E8F07FC3E57}" type="datetimeFigureOut">
               <a:rPr lang="ko-KR" altLang="en-US" smtClean="0"/>
-              <a:t>2025-05-10</a:t>
+              <a:t>2025-05-11</a:t>
             </a:fld>
             <a:endParaRPr lang="ko-KR" altLang="en-US"/>
           </a:p>
@@ -2909,7 +2914,7 @@
           <a:p>
             <a:fld id="{6BB4F5D4-0802-4168-9F46-9E8F07FC3E57}" type="datetimeFigureOut">
               <a:rPr lang="ko-KR" altLang="en-US" smtClean="0"/>
-              <a:t>2025-05-10</a:t>
+              <a:t>2025-05-11</a:t>
             </a:fld>
             <a:endParaRPr lang="ko-KR" altLang="en-US"/>
           </a:p>
@@ -4363,22 +4368,23 @@
             <a:pPr algn="ctr"/>
             <a:r>
               <a:rPr lang="en-US" altLang="ko-KR" b="1"/>
-              <a:t>MainTitleMusic</a:t>
-            </a:r>
-          </a:p>
-          <a:p>
-            <a:r>
-              <a:rPr lang="ko-KR" altLang="en-US"/>
-              <a:t>현재 씬에 파괴금지</a:t>
+              <a:t>Select BGM</a:t>
+            </a:r>
+          </a:p>
+          <a:p>
+            <a:r>
+              <a:rPr lang="ko-KR" altLang="en-US"/>
+              <a:t>이 스크립트는 현재 씬에 실행시킬 음악 선택하면 다른오브젝트 </a:t>
             </a:r>
             <a:r>
               <a:rPr lang="en-US" altLang="ko-KR"/>
-              <a:t>+</a:t>
-            </a:r>
-            <a:r>
-              <a:rPr lang="ko-KR" altLang="en-US"/>
-              <a:t>싱글톤 으로 적용된 오브젝트가 존재하면 오디오 클립을 셋팅해주는 코드</a:t>
-            </a:r>
+              <a:t>Audio machine</a:t>
+            </a:r>
+            <a:r>
+              <a:rPr lang="ko-KR" altLang="en-US"/>
+              <a:t>에서 실행함</a:t>
+            </a:r>
+            <a:endParaRPr lang="en-US" altLang="ko-KR"/>
           </a:p>
         </p:txBody>
       </p:sp>
@@ -4938,11 +4944,11 @@
             <a:pPr algn="ctr"/>
             <a:r>
               <a:rPr lang="en-US" altLang="ko-KR" b="1"/>
-              <a:t>Dontdestroy_Audio</a:t>
-            </a:r>
-            <a:endParaRPr lang="ko-KR" altLang="en-US" b="1"/>
-          </a:p>
-          <a:p>
+              <a:t>AudioMachine</a:t>
+            </a:r>
+          </a:p>
+          <a:p>
+            <a:pPr algn="ctr"/>
             <a:r>
               <a:rPr lang="ko-KR" altLang="en-US"/>
               <a:t>오디오 또한 다른 씬에서 사용하기 때문에 오디오 클립만 바꾸는 방식으로 사용</a:t>
@@ -5735,7 +5741,10 @@
               <a:rPr lang="en-US" altLang="ko-KR"/>
               <a:t>? </a:t>
             </a:r>
-            <a:endParaRPr lang="ko-KR" altLang="en-US"/>
+            <a:r>
+              <a:rPr lang="ko-KR" altLang="en-US"/>
+              <a:t>하고 파괴</a:t>
+            </a:r>
           </a:p>
         </p:txBody>
       </p:sp>

--- a/작업.pptx
+++ b/작업.pptx
@@ -11,6 +11,7 @@
     <p:sldId id="259" r:id="rId5"/>
     <p:sldId id="260" r:id="rId6"/>
     <p:sldId id="261" r:id="rId7"/>
+    <p:sldId id="262" r:id="rId8"/>
   </p:sldIdLst>
   <p:sldSz cx="12192000" cy="6858000"/>
   <p:notesSz cx="6858000" cy="9144000"/>
@@ -6040,6 +6041,86 @@
 </p:sld>
 </file>
 
+<file path=ppt/slides/slide7.xml><?xml version="1.0" encoding="utf-8"?>
+<p:sld xmlns:a="http://schemas.openxmlformats.org/drawingml/2006/main" xmlns:r="http://schemas.openxmlformats.org/officeDocument/2006/relationships" xmlns:p="http://schemas.openxmlformats.org/presentationml/2006/main">
+  <p:cSld>
+    <p:spTree>
+      <p:nvGrpSpPr>
+        <p:cNvPr id="1" name=""/>
+        <p:cNvGrpSpPr/>
+        <p:nvPr/>
+      </p:nvGrpSpPr>
+      <p:grpSpPr>
+        <a:xfrm>
+          <a:off x="0" y="0"/>
+          <a:ext cx="0" cy="0"/>
+          <a:chOff x="0" y="0"/>
+          <a:chExt cx="0" cy="0"/>
+        </a:xfrm>
+      </p:grpSpPr>
+      <p:sp>
+        <p:nvSpPr>
+          <p:cNvPr id="2" name="제목 1">
+            <a:extLst>
+              <a:ext uri="{FF2B5EF4-FFF2-40B4-BE49-F238E27FC236}">
+                <a16:creationId xmlns:a16="http://schemas.microsoft.com/office/drawing/2014/main" id="{1CB01EFC-EE24-2CA2-D437-BFCB26AB3EE7}"/>
+              </a:ext>
+            </a:extLst>
+          </p:cNvPr>
+          <p:cNvSpPr>
+            <a:spLocks noGrp="1"/>
+          </p:cNvSpPr>
+          <p:nvPr>
+            <p:ph type="title"/>
+          </p:nvPr>
+        </p:nvSpPr>
+        <p:spPr/>
+        <p:txBody>
+          <a:bodyPr/>
+          <a:lstStyle/>
+          <a:p>
+            <a:endParaRPr lang="ko-KR" altLang="en-US"/>
+          </a:p>
+        </p:txBody>
+      </p:sp>
+      <p:sp>
+        <p:nvSpPr>
+          <p:cNvPr id="3" name="내용 개체 틀 2">
+            <a:extLst>
+              <a:ext uri="{FF2B5EF4-FFF2-40B4-BE49-F238E27FC236}">
+                <a16:creationId xmlns:a16="http://schemas.microsoft.com/office/drawing/2014/main" id="{2C25CEF0-1C73-F250-6DF5-187EEA00172F}"/>
+              </a:ext>
+            </a:extLst>
+          </p:cNvPr>
+          <p:cNvSpPr>
+            <a:spLocks noGrp="1"/>
+          </p:cNvSpPr>
+          <p:nvPr>
+            <p:ph idx="1"/>
+          </p:nvPr>
+        </p:nvSpPr>
+        <p:spPr/>
+        <p:txBody>
+          <a:bodyPr/>
+          <a:lstStyle/>
+          <a:p>
+            <a:endParaRPr lang="ko-KR" altLang="en-US"/>
+          </a:p>
+        </p:txBody>
+      </p:sp>
+    </p:spTree>
+    <p:extLst>
+      <p:ext uri="{BB962C8B-B14F-4D97-AF65-F5344CB8AC3E}">
+        <p14:creationId xmlns:p14="http://schemas.microsoft.com/office/powerpoint/2010/main" val="1562540999"/>
+      </p:ext>
+    </p:extLst>
+  </p:cSld>
+  <p:clrMapOvr>
+    <a:masterClrMapping/>
+  </p:clrMapOvr>
+</p:sld>
+</file>
+
 <file path=ppt/theme/theme1.xml><?xml version="1.0" encoding="utf-8"?>
 <a:theme xmlns:a="http://schemas.openxmlformats.org/drawingml/2006/main" name="Office 테마">
   <a:themeElements>
